--- a/documents/Umbrella Coin.pptx
+++ b/documents/Umbrella Coin.pptx
@@ -5,7 +5,7 @@
     <p:sldMasterId id="2147483720" r:id="rId1"/>
   </p:sldMasterIdLst>
   <p:notesMasterIdLst>
-    <p:notesMasterId r:id="rId8"/>
+    <p:notesMasterId r:id="rId10"/>
   </p:notesMasterIdLst>
   <p:sldIdLst>
     <p:sldId id="256" r:id="rId2"/>
@@ -13,7 +13,9 @@
     <p:sldId id="260" r:id="rId4"/>
     <p:sldId id="261" r:id="rId5"/>
     <p:sldId id="262" r:id="rId6"/>
-    <p:sldId id="257" r:id="rId7"/>
+    <p:sldId id="263" r:id="rId7"/>
+    <p:sldId id="266" r:id="rId8"/>
+    <p:sldId id="257" r:id="rId9"/>
   </p:sldIdLst>
   <p:sldSz cx="12192000" cy="6858000"/>
   <p:notesSz cx="6858000" cy="9144000"/>
@@ -112,6 +114,11 @@
       </a:defRPr>
     </a:lvl9pPr>
   </p:defaultTextStyle>
+  <p:extLst>
+    <p:ext uri="{EFAFB233-063F-42B5-8137-9DF3F51BA10A}">
+      <p15:sldGuideLst xmlns:p15="http://schemas.microsoft.com/office/powerpoint/2012/main"/>
+    </p:ext>
+  </p:extLst>
 </p:presentation>
 </file>
 
@@ -954,6 +961,174 @@
             <a:fld id="{D6563C95-8E5C-4C5E-B0A9-A56CF51BD90D}" type="slidenum">
               <a:rPr lang="en-US" smtClean="0"/>
               <a:t>6</a:t>
+            </a:fld>
+            <a:endParaRPr lang="en-US"/>
+          </a:p>
+        </p:txBody>
+      </p:sp>
+    </p:spTree>
+    <p:extLst>
+      <p:ext uri="{BB962C8B-B14F-4D97-AF65-F5344CB8AC3E}">
+        <p14:creationId xmlns:p14="http://schemas.microsoft.com/office/powerpoint/2010/main" val="1758954119"/>
+      </p:ext>
+    </p:extLst>
+  </p:cSld>
+  <p:clrMapOvr>
+    <a:masterClrMapping/>
+  </p:clrMapOvr>
+</p:notes>
+</file>
+
+<file path=ppt/notesSlides/notesSlide7.xml><?xml version="1.0" encoding="utf-8"?>
+<p:notes xmlns:a="http://schemas.openxmlformats.org/drawingml/2006/main" xmlns:r="http://schemas.openxmlformats.org/officeDocument/2006/relationships" xmlns:p="http://schemas.openxmlformats.org/presentationml/2006/main">
+  <p:cSld>
+    <p:spTree>
+      <p:nvGrpSpPr>
+        <p:cNvPr id="1" name=""/>
+        <p:cNvGrpSpPr/>
+        <p:nvPr/>
+      </p:nvGrpSpPr>
+      <p:grpSpPr>
+        <a:xfrm>
+          <a:off x="0" y="0"/>
+          <a:ext cx="0" cy="0"/>
+          <a:chOff x="0" y="0"/>
+          <a:chExt cx="0" cy="0"/>
+        </a:xfrm>
+      </p:grpSpPr>
+      <p:sp>
+        <p:nvSpPr>
+          <p:cNvPr id="2" name="Slide Image Placeholder 1"/>
+          <p:cNvSpPr>
+            <a:spLocks noGrp="1" noRot="1" noChangeAspect="1"/>
+          </p:cNvSpPr>
+          <p:nvPr>
+            <p:ph type="sldImg"/>
+          </p:nvPr>
+        </p:nvSpPr>
+        <p:spPr/>
+      </p:sp>
+      <p:sp>
+        <p:nvSpPr>
+          <p:cNvPr id="3" name="Notes Placeholder 2"/>
+          <p:cNvSpPr>
+            <a:spLocks noGrp="1"/>
+          </p:cNvSpPr>
+          <p:nvPr>
+            <p:ph type="body" idx="1"/>
+          </p:nvPr>
+        </p:nvSpPr>
+        <p:spPr/>
+        <p:txBody>
+          <a:bodyPr/>
+          <a:lstStyle/>
+          <a:p>
+            <a:endParaRPr lang="en-US"/>
+          </a:p>
+        </p:txBody>
+      </p:sp>
+      <p:sp>
+        <p:nvSpPr>
+          <p:cNvPr id="4" name="Slide Number Placeholder 3"/>
+          <p:cNvSpPr>
+            <a:spLocks noGrp="1"/>
+          </p:cNvSpPr>
+          <p:nvPr>
+            <p:ph type="sldNum" sz="quarter" idx="10"/>
+          </p:nvPr>
+        </p:nvSpPr>
+        <p:spPr/>
+        <p:txBody>
+          <a:bodyPr/>
+          <a:lstStyle/>
+          <a:p>
+            <a:fld id="{D6563C95-8E5C-4C5E-B0A9-A56CF51BD90D}" type="slidenum">
+              <a:rPr lang="en-US" smtClean="0"/>
+              <a:t>7</a:t>
+            </a:fld>
+            <a:endParaRPr lang="en-US"/>
+          </a:p>
+        </p:txBody>
+      </p:sp>
+    </p:spTree>
+    <p:extLst>
+      <p:ext uri="{BB962C8B-B14F-4D97-AF65-F5344CB8AC3E}">
+        <p14:creationId xmlns:p14="http://schemas.microsoft.com/office/powerpoint/2010/main" val="1356779166"/>
+      </p:ext>
+    </p:extLst>
+  </p:cSld>
+  <p:clrMapOvr>
+    <a:masterClrMapping/>
+  </p:clrMapOvr>
+</p:notes>
+</file>
+
+<file path=ppt/notesSlides/notesSlide8.xml><?xml version="1.0" encoding="utf-8"?>
+<p:notes xmlns:a="http://schemas.openxmlformats.org/drawingml/2006/main" xmlns:r="http://schemas.openxmlformats.org/officeDocument/2006/relationships" xmlns:p="http://schemas.openxmlformats.org/presentationml/2006/main">
+  <p:cSld>
+    <p:spTree>
+      <p:nvGrpSpPr>
+        <p:cNvPr id="1" name=""/>
+        <p:cNvGrpSpPr/>
+        <p:nvPr/>
+      </p:nvGrpSpPr>
+      <p:grpSpPr>
+        <a:xfrm>
+          <a:off x="0" y="0"/>
+          <a:ext cx="0" cy="0"/>
+          <a:chOff x="0" y="0"/>
+          <a:chExt cx="0" cy="0"/>
+        </a:xfrm>
+      </p:grpSpPr>
+      <p:sp>
+        <p:nvSpPr>
+          <p:cNvPr id="2" name="Slide Image Placeholder 1"/>
+          <p:cNvSpPr>
+            <a:spLocks noGrp="1" noRot="1" noChangeAspect="1"/>
+          </p:cNvSpPr>
+          <p:nvPr>
+            <p:ph type="sldImg"/>
+          </p:nvPr>
+        </p:nvSpPr>
+        <p:spPr/>
+      </p:sp>
+      <p:sp>
+        <p:nvSpPr>
+          <p:cNvPr id="3" name="Notes Placeholder 2"/>
+          <p:cNvSpPr>
+            <a:spLocks noGrp="1"/>
+          </p:cNvSpPr>
+          <p:nvPr>
+            <p:ph type="body" idx="1"/>
+          </p:nvPr>
+        </p:nvSpPr>
+        <p:spPr/>
+        <p:txBody>
+          <a:bodyPr/>
+          <a:lstStyle/>
+          <a:p>
+            <a:endParaRPr lang="en-US"/>
+          </a:p>
+        </p:txBody>
+      </p:sp>
+      <p:sp>
+        <p:nvSpPr>
+          <p:cNvPr id="4" name="Slide Number Placeholder 3"/>
+          <p:cNvSpPr>
+            <a:spLocks noGrp="1"/>
+          </p:cNvSpPr>
+          <p:nvPr>
+            <p:ph type="sldNum" sz="quarter" idx="10"/>
+          </p:nvPr>
+        </p:nvSpPr>
+        <p:spPr/>
+        <p:txBody>
+          <a:bodyPr/>
+          <a:lstStyle/>
+          <a:p>
+            <a:fld id="{D6563C95-8E5C-4C5E-B0A9-A56CF51BD90D}" type="slidenum">
+              <a:rPr lang="en-US" smtClean="0"/>
+              <a:t>8</a:t>
             </a:fld>
             <a:endParaRPr lang="en-US"/>
           </a:p>
@@ -5749,6 +5924,290 @@
 </file>
 
 <file path=ppt/slides/slide6.xml><?xml version="1.0" encoding="utf-8"?>
+<p:sld xmlns:a="http://schemas.openxmlformats.org/drawingml/2006/main" xmlns:r="http://schemas.openxmlformats.org/officeDocument/2006/relationships" xmlns:p="http://schemas.openxmlformats.org/presentationml/2006/main">
+  <p:cSld>
+    <p:spTree>
+      <p:nvGrpSpPr>
+        <p:cNvPr id="1" name=""/>
+        <p:cNvGrpSpPr/>
+        <p:nvPr/>
+      </p:nvGrpSpPr>
+      <p:grpSpPr>
+        <a:xfrm>
+          <a:off x="0" y="0"/>
+          <a:ext cx="0" cy="0"/>
+          <a:chOff x="0" y="0"/>
+          <a:chExt cx="0" cy="0"/>
+        </a:xfrm>
+      </p:grpSpPr>
+      <p:pic>
+        <p:nvPicPr>
+          <p:cNvPr id="5" name="Picture 4">
+            <a:extLst>
+              <a:ext uri="{FF2B5EF4-FFF2-40B4-BE49-F238E27FC236}">
+                <a16:creationId xmlns:a16="http://schemas.microsoft.com/office/drawing/2014/main" id="{EE907DE4-3C8A-481A-BD4F-134612157CCE}"/>
+              </a:ext>
+            </a:extLst>
+          </p:cNvPr>
+          <p:cNvPicPr>
+            <a:picLocks noChangeAspect="1"/>
+          </p:cNvPicPr>
+          <p:nvPr/>
+        </p:nvPicPr>
+        <p:blipFill>
+          <a:blip r:embed="rId3">
+            <a:extLst>
+              <a:ext uri="{28A0092B-C50C-407E-A947-70E740481C1C}">
+                <a14:useLocalDpi xmlns:a14="http://schemas.microsoft.com/office/drawing/2010/main" val="0"/>
+              </a:ext>
+            </a:extLst>
+          </a:blip>
+          <a:stretch>
+            <a:fillRect/>
+          </a:stretch>
+        </p:blipFill>
+        <p:spPr>
+          <a:xfrm>
+            <a:off x="0" y="877186"/>
+            <a:ext cx="12192000" cy="5103628"/>
+          </a:xfrm>
+          <a:prstGeom prst="rect">
+            <a:avLst/>
+          </a:prstGeom>
+        </p:spPr>
+      </p:pic>
+    </p:spTree>
+    <p:extLst>
+      <p:ext uri="{BB962C8B-B14F-4D97-AF65-F5344CB8AC3E}">
+        <p14:creationId xmlns:p14="http://schemas.microsoft.com/office/powerpoint/2010/main" val="2755973256"/>
+      </p:ext>
+    </p:extLst>
+  </p:cSld>
+  <p:clrMapOvr>
+    <a:masterClrMapping/>
+  </p:clrMapOvr>
+</p:sld>
+</file>
+
+<file path=ppt/slides/slide7.xml><?xml version="1.0" encoding="utf-8"?>
+<p:sld xmlns:a="http://schemas.openxmlformats.org/drawingml/2006/main" xmlns:r="http://schemas.openxmlformats.org/officeDocument/2006/relationships" xmlns:p="http://schemas.openxmlformats.org/presentationml/2006/main">
+  <p:cSld>
+    <p:spTree>
+      <p:nvGrpSpPr>
+        <p:cNvPr id="1" name=""/>
+        <p:cNvGrpSpPr/>
+        <p:nvPr/>
+      </p:nvGrpSpPr>
+      <p:grpSpPr>
+        <a:xfrm>
+          <a:off x="0" y="0"/>
+          <a:ext cx="0" cy="0"/>
+          <a:chOff x="0" y="0"/>
+          <a:chExt cx="0" cy="0"/>
+        </a:xfrm>
+      </p:grpSpPr>
+      <p:sp>
+        <p:nvSpPr>
+          <p:cNvPr id="2" name="Title 1">
+            <a:extLst>
+              <a:ext uri="{FF2B5EF4-FFF2-40B4-BE49-F238E27FC236}">
+                <a16:creationId xmlns:a16="http://schemas.microsoft.com/office/drawing/2014/main" id="{B3F329AD-93E6-430D-B688-6341904D7602}"/>
+              </a:ext>
+            </a:extLst>
+          </p:cNvPr>
+          <p:cNvSpPr>
+            <a:spLocks noGrp="1"/>
+          </p:cNvSpPr>
+          <p:nvPr>
+            <p:ph type="title"/>
+          </p:nvPr>
+        </p:nvSpPr>
+        <p:spPr/>
+        <p:txBody>
+          <a:bodyPr/>
+          <a:lstStyle/>
+          <a:p>
+            <a:r>
+              <a:rPr lang="en-US" dirty="0" err="1"/>
+              <a:t>Crowdsale</a:t>
+            </a:r>
+            <a:r>
+              <a:rPr lang="en-US" dirty="0"/>
+              <a:t> Details</a:t>
+            </a:r>
+          </a:p>
+        </p:txBody>
+      </p:sp>
+      <p:sp>
+        <p:nvSpPr>
+          <p:cNvPr id="3" name="Content Placeholder 2">
+            <a:extLst>
+              <a:ext uri="{FF2B5EF4-FFF2-40B4-BE49-F238E27FC236}">
+                <a16:creationId xmlns:a16="http://schemas.microsoft.com/office/drawing/2014/main" id="{69240194-356B-4FDC-A63E-2E24067E5B54}"/>
+              </a:ext>
+            </a:extLst>
+          </p:cNvPr>
+          <p:cNvSpPr>
+            <a:spLocks noGrp="1"/>
+          </p:cNvSpPr>
+          <p:nvPr>
+            <p:ph idx="1"/>
+          </p:nvPr>
+        </p:nvSpPr>
+        <p:spPr/>
+        <p:txBody>
+          <a:bodyPr>
+            <a:normAutofit fontScale="85000" lnSpcReduction="10000"/>
+          </a:bodyPr>
+          <a:lstStyle/>
+          <a:p>
+            <a:r>
+              <a:rPr lang="en-US" dirty="0"/>
+              <a:t>Pre-Sale Start Date: 20 August 2017 12:00 UTC</a:t>
+            </a:r>
+            <a:br>
+              <a:rPr lang="en-US" dirty="0"/>
+            </a:br>
+            <a:r>
+              <a:rPr lang="en-US" dirty="0"/>
+              <a:t>Pre-Sale End Date: 31 August 2017 12:00 UTC</a:t>
+            </a:r>
+            <a:br>
+              <a:rPr lang="en-US" dirty="0"/>
+            </a:br>
+            <a:r>
+              <a:rPr lang="en-US" dirty="0"/>
+              <a:t>30% bonus token distribution</a:t>
+            </a:r>
+            <a:br>
+              <a:rPr lang="en-US" dirty="0"/>
+            </a:br>
+            <a:r>
+              <a:rPr lang="en-US" dirty="0"/>
+              <a:t>Goal: 2000 ETH</a:t>
+            </a:r>
+          </a:p>
+          <a:p>
+            <a:pPr lvl="1"/>
+            <a:r>
+              <a:rPr lang="en-US" dirty="0"/>
+              <a:t>If this goal is met, we will immediately close the pre-sale, take those funds and focus on marketing the launch</a:t>
+            </a:r>
+          </a:p>
+          <a:p>
+            <a:r>
+              <a:rPr lang="en-US" dirty="0" err="1"/>
+              <a:t>Crowdsale</a:t>
+            </a:r>
+            <a:r>
+              <a:rPr lang="en-US" dirty="0"/>
+              <a:t> Start Date: 20 September 2017 12:00 UTC</a:t>
+            </a:r>
+            <a:br>
+              <a:rPr lang="en-US" dirty="0"/>
+            </a:br>
+            <a:r>
+              <a:rPr lang="en-US" dirty="0" err="1"/>
+              <a:t>Crowdsale</a:t>
+            </a:r>
+            <a:r>
+              <a:rPr lang="en-US" dirty="0"/>
+              <a:t> End Date: 20 October 2017 12:00 UTC</a:t>
+            </a:r>
+            <a:br>
+              <a:rPr lang="en-US" dirty="0"/>
+            </a:br>
+            <a:r>
+              <a:rPr lang="en-US" dirty="0"/>
+              <a:t>Issuance of UMC Tokens: 100,000,000 Tokens</a:t>
+            </a:r>
+            <a:br>
+              <a:rPr lang="en-US" dirty="0"/>
+            </a:br>
+            <a:r>
+              <a:rPr lang="en-US" dirty="0"/>
+              <a:t>Exchange rate: 600 UMC = 1 ETH</a:t>
+            </a:r>
+            <a:br>
+              <a:rPr lang="en-US" dirty="0"/>
+            </a:br>
+            <a:r>
+              <a:rPr lang="en-US" dirty="0"/>
+              <a:t>Minimum contribution: 60 UMC = 0.1 ETH</a:t>
+            </a:r>
+            <a:br>
+              <a:rPr lang="en-US" dirty="0"/>
+            </a:br>
+            <a:r>
+              <a:rPr lang="en-US" dirty="0"/>
+              <a:t>Maximum contribution: 1,800,000 UMC = 3000 ETH</a:t>
+            </a:r>
+            <a:br>
+              <a:rPr lang="en-US" dirty="0"/>
+            </a:br>
+            <a:r>
+              <a:rPr lang="en-US" dirty="0"/>
+              <a:t>Minimum sale goal: 5000 ETH</a:t>
+            </a:r>
+            <a:br>
+              <a:rPr lang="en-US" dirty="0"/>
+            </a:br>
+            <a:r>
+              <a:rPr lang="en-US" dirty="0"/>
+              <a:t>Total sale goal: 100000 ETH</a:t>
+            </a:r>
+            <a:br>
+              <a:rPr lang="en-US" dirty="0"/>
+            </a:br>
+            <a:r>
+              <a:rPr lang="en-US" dirty="0"/>
+              <a:t>Bounty: 1,200,000 Tokens (1.2% of issuance)</a:t>
+            </a:r>
+            <a:br>
+              <a:rPr lang="en-US" dirty="0"/>
+            </a:br>
+            <a:r>
+              <a:rPr lang="en-US" dirty="0"/>
+              <a:t>Token distribution rules: </a:t>
+            </a:r>
+            <a:br>
+              <a:rPr lang="en-US" dirty="0"/>
+            </a:br>
+            <a:r>
+              <a:rPr lang="en-US" dirty="0"/>
+              <a:t>68.8% (68 million tokens) will be available to participants</a:t>
+            </a:r>
+            <a:br>
+              <a:rPr lang="en-US" dirty="0"/>
+            </a:br>
+            <a:r>
+              <a:rPr lang="en-US" dirty="0"/>
+              <a:t>20% (20 million tokens) will be used to build a preliminary float pool.</a:t>
+            </a:r>
+            <a:br>
+              <a:rPr lang="en-US" dirty="0"/>
+            </a:br>
+            <a:r>
+              <a:rPr lang="en-US" dirty="0"/>
+              <a:t>10% (10 million tokens) will be distributed among team members</a:t>
+            </a:r>
+          </a:p>
+        </p:txBody>
+      </p:sp>
+    </p:spTree>
+    <p:extLst>
+      <p:ext uri="{BB962C8B-B14F-4D97-AF65-F5344CB8AC3E}">
+        <p14:creationId xmlns:p14="http://schemas.microsoft.com/office/powerpoint/2010/main" val="2065851916"/>
+      </p:ext>
+    </p:extLst>
+  </p:cSld>
+  <p:clrMapOvr>
+    <a:masterClrMapping/>
+  </p:clrMapOvr>
+</p:sld>
+</file>
+
+<file path=ppt/slides/slide8.xml><?xml version="1.0" encoding="utf-8"?>
 <p:sld xmlns:a="http://schemas.openxmlformats.org/drawingml/2006/main" xmlns:r="http://schemas.openxmlformats.org/officeDocument/2006/relationships" xmlns:p="http://schemas.openxmlformats.org/presentationml/2006/main">
   <p:cSld>
     <p:bg>

--- a/documents/Umbrella Coin.pptx
+++ b/documents/Umbrella Coin.pptx
@@ -208,7 +208,7 @@
           <a:p>
             <a:fld id="{A48E7BC0-95DD-4212-87B0-0FE5078BA1E8}" type="datetimeFigureOut">
               <a:rPr lang="en-US" smtClean="0"/>
-              <a:t>7/30/2017</a:t>
+              <a:t>8/11/2017</a:t>
             </a:fld>
             <a:endParaRPr lang="en-US"/>
           </a:p>
@@ -1514,7 +1514,7 @@
           <a:p>
             <a:fld id="{244E5A45-808D-413F-B603-330DBD72C1BA}" type="datetimeFigureOut">
               <a:rPr lang="en-US" smtClean="0"/>
-              <a:t>7/30/2017</a:t>
+              <a:t>8/11/2017</a:t>
             </a:fld>
             <a:endParaRPr lang="en-US"/>
           </a:p>
@@ -1761,7 +1761,7 @@
           <a:p>
             <a:fld id="{244E5A45-808D-413F-B603-330DBD72C1BA}" type="datetimeFigureOut">
               <a:rPr lang="en-US" smtClean="0"/>
-              <a:t>7/30/2017</a:t>
+              <a:t>8/11/2017</a:t>
             </a:fld>
             <a:endParaRPr lang="en-US"/>
           </a:p>
@@ -2147,7 +2147,7 @@
           <a:p>
             <a:fld id="{244E5A45-808D-413F-B603-330DBD72C1BA}" type="datetimeFigureOut">
               <a:rPr lang="en-US" smtClean="0"/>
-              <a:t>7/30/2017</a:t>
+              <a:t>8/11/2017</a:t>
             </a:fld>
             <a:endParaRPr lang="en-US"/>
           </a:p>
@@ -2376,7 +2376,7 @@
           <a:p>
             <a:fld id="{244E5A45-808D-413F-B603-330DBD72C1BA}" type="datetimeFigureOut">
               <a:rPr lang="en-US" smtClean="0"/>
-              <a:t>7/30/2017</a:t>
+              <a:t>8/11/2017</a:t>
             </a:fld>
             <a:endParaRPr lang="en-US"/>
           </a:p>
@@ -2867,7 +2867,7 @@
           <a:p>
             <a:fld id="{244E5A45-808D-413F-B603-330DBD72C1BA}" type="datetimeFigureOut">
               <a:rPr lang="en-US" smtClean="0"/>
-              <a:t>7/30/2017</a:t>
+              <a:t>8/11/2017</a:t>
             </a:fld>
             <a:endParaRPr lang="en-US"/>
           </a:p>
@@ -3177,7 +3177,7 @@
           <a:p>
             <a:fld id="{244E5A45-808D-413F-B603-330DBD72C1BA}" type="datetimeFigureOut">
               <a:rPr lang="en-US" smtClean="0"/>
-              <a:t>7/30/2017</a:t>
+              <a:t>8/11/2017</a:t>
             </a:fld>
             <a:endParaRPr lang="en-US"/>
           </a:p>
@@ -3568,7 +3568,7 @@
           <a:p>
             <a:fld id="{244E5A45-808D-413F-B603-330DBD72C1BA}" type="datetimeFigureOut">
               <a:rPr lang="en-US" smtClean="0"/>
-              <a:t>7/30/2017</a:t>
+              <a:t>8/11/2017</a:t>
             </a:fld>
             <a:endParaRPr lang="en-US"/>
           </a:p>
@@ -3686,7 +3686,7 @@
           <a:p>
             <a:fld id="{244E5A45-808D-413F-B603-330DBD72C1BA}" type="datetimeFigureOut">
               <a:rPr lang="en-US" smtClean="0"/>
-              <a:t>7/30/2017</a:t>
+              <a:t>8/11/2017</a:t>
             </a:fld>
             <a:endParaRPr lang="en-US"/>
           </a:p>
@@ -3781,7 +3781,7 @@
           <a:p>
             <a:fld id="{244E5A45-808D-413F-B603-330DBD72C1BA}" type="datetimeFigureOut">
               <a:rPr lang="en-US" smtClean="0"/>
-              <a:t>7/30/2017</a:t>
+              <a:t>8/11/2017</a:t>
             </a:fld>
             <a:endParaRPr lang="en-US"/>
           </a:p>
@@ -4081,7 +4081,7 @@
           <a:p>
             <a:fld id="{244E5A45-808D-413F-B603-330DBD72C1BA}" type="datetimeFigureOut">
               <a:rPr lang="en-US" smtClean="0"/>
-              <a:t>7/30/2017</a:t>
+              <a:t>8/11/2017</a:t>
             </a:fld>
             <a:endParaRPr lang="en-US"/>
           </a:p>
@@ -4346,7 +4346,7 @@
           <a:p>
             <a:fld id="{244E5A45-808D-413F-B603-330DBD72C1BA}" type="datetimeFigureOut">
               <a:rPr lang="en-US" smtClean="0"/>
-              <a:t>7/30/2017</a:t>
+              <a:t>8/11/2017</a:t>
             </a:fld>
             <a:endParaRPr lang="en-US"/>
           </a:p>
@@ -4764,7 +4764,7 @@
           <a:p>
             <a:fld id="{244E5A45-808D-413F-B603-330DBD72C1BA}" type="datetimeFigureOut">
               <a:rPr lang="en-US" smtClean="0"/>
-              <a:t>7/30/2017</a:t>
+              <a:t>8/11/2017</a:t>
             </a:fld>
             <a:endParaRPr lang="en-US"/>
           </a:p>
@@ -6057,104 +6057,77 @@
         <p:spPr/>
         <p:txBody>
           <a:bodyPr>
-            <a:normAutofit fontScale="85000" lnSpcReduction="10000"/>
+            <a:normAutofit lnSpcReduction="10000"/>
           </a:bodyPr>
           <a:lstStyle/>
           <a:p>
             <a:r>
+              <a:rPr lang="en-US" dirty="0" err="1"/>
+              <a:t>Crowdsale</a:t>
+            </a:r>
+            <a:r>
               <a:rPr lang="en-US" dirty="0"/>
-              <a:t>Pre-Sale Start Date: 20 August 2017 12:00 UTC</a:t>
+              <a:t> Start Date: 20 August 2017 12:00 UTC</a:t>
             </a:r>
             <a:br>
               <a:rPr lang="en-US" dirty="0"/>
             </a:br>
             <a:r>
+              <a:rPr lang="en-US" dirty="0" err="1"/>
+              <a:t>Crowdsale</a:t>
+            </a:r>
+            <a:r>
               <a:rPr lang="en-US" dirty="0"/>
-              <a:t>Pre-Sale End Date: 31 August 2017 12:00 UTC</a:t>
+              <a:t> End Date: 20 October 2017 12:00 UTC</a:t>
             </a:r>
             <a:br>
               <a:rPr lang="en-US" dirty="0"/>
             </a:br>
             <a:r>
               <a:rPr lang="en-US" dirty="0"/>
-              <a:t>30% bonus token distribution</a:t>
+              <a:t>Issuance of UMC Tokens: 100,000,000 Tokens</a:t>
             </a:r>
             <a:br>
               <a:rPr lang="en-US" dirty="0"/>
             </a:br>
             <a:r>
               <a:rPr lang="en-US" dirty="0"/>
-              <a:t>Goal: 2000 ETH</a:t>
-            </a:r>
-          </a:p>
-          <a:p>
-            <a:pPr lvl="1"/>
-            <a:r>
-              <a:rPr lang="en-US" dirty="0"/>
-              <a:t>If this goal is met, we will immediately close the pre-sale, take those funds and focus on marketing the launch</a:t>
-            </a:r>
-          </a:p>
-          <a:p>
-            <a:r>
-              <a:rPr lang="en-US" dirty="0" err="1"/>
-              <a:t>Crowdsale</a:t>
-            </a:r>
-            <a:r>
-              <a:rPr lang="en-US" dirty="0"/>
-              <a:t> Start Date: 20 September 2017 12:00 UTC</a:t>
+              <a:t>Exchange rate: 600 UMC = 1 ETH</a:t>
             </a:r>
             <a:br>
               <a:rPr lang="en-US" dirty="0"/>
             </a:br>
             <a:r>
-              <a:rPr lang="en-US" dirty="0" err="1"/>
-              <a:t>Crowdsale</a:t>
-            </a:r>
-            <a:r>
               <a:rPr lang="en-US" dirty="0"/>
-              <a:t> End Date: 20 October 2017 12:00 UTC</a:t>
+              <a:t>Minimum contribution: 60 UMC = 0.1 ETH</a:t>
             </a:r>
             <a:br>
               <a:rPr lang="en-US" dirty="0"/>
             </a:br>
             <a:r>
               <a:rPr lang="en-US" dirty="0"/>
-              <a:t>Issuance of UMC Tokens: 100,000,000 Tokens</a:t>
+              <a:t>Maximum contribution: 1,800,000 UMC = 3000 ETH</a:t>
             </a:r>
             <a:br>
               <a:rPr lang="en-US" dirty="0"/>
             </a:br>
             <a:r>
               <a:rPr lang="en-US" dirty="0"/>
-              <a:t>Exchange rate: 600 UMC = 1 ETH</a:t>
+              <a:t>Minimum sale goal: 5000 ETH</a:t>
             </a:r>
             <a:br>
               <a:rPr lang="en-US" dirty="0"/>
             </a:br>
             <a:r>
               <a:rPr lang="en-US" dirty="0"/>
-              <a:t>Minimum contribution: 60 UMC = 0.1 ETH</a:t>
+              <a:t>Total sale goal: 100000 ETH</a:t>
             </a:r>
             <a:br>
               <a:rPr lang="en-US" dirty="0"/>
             </a:br>
             <a:r>
               <a:rPr lang="en-US" dirty="0"/>
-              <a:t>Maximum contribution: 1,800,000 UMC = 3000 ETH</a:t>
-            </a:r>
-            <a:br>
-              <a:rPr lang="en-US" dirty="0"/>
-            </a:br>
-            <a:r>
-              <a:rPr lang="en-US" dirty="0"/>
-              <a:t>Minimum sale goal: 5000 ETH</a:t>
-            </a:r>
-            <a:br>
-              <a:rPr lang="en-US" dirty="0"/>
-            </a:br>
-            <a:r>
-              <a:rPr lang="en-US" dirty="0"/>
-              <a:t>Total sale goal: 100000 ETH</a:t>
+              <a:t>Bonus: 100% token bonus for the first 5000ETH</a:t>
             </a:r>
             <a:br>
               <a:rPr lang="en-US" dirty="0"/>
